--- a/ppt/ch7.pptx
+++ b/ppt/ch7.pptx
@@ -278,7 +278,7 @@
           <a:p>
             <a:fld id="{7393D4B6-43B8-4159-AFF5-76091CA9576B}" type="datetimeFigureOut">
               <a:rPr lang="zh-CN" altLang="en-US" smtClean="0"/>
-              <a:t>2018/11/6</a:t>
+              <a:t>2018/11/7</a:t>
             </a:fld>
             <a:endParaRPr lang="zh-CN" altLang="en-US"/>
           </a:p>
@@ -3117,7 +3117,7 @@
               <a:pPr>
                 <a:defRPr/>
               </a:pPr>
-              <a:t>2018/11/6</a:t>
+              <a:t>2018/11/7</a:t>
             </a:fld>
             <a:endParaRPr lang="zh-CN" altLang="en-US"/>
           </a:p>
@@ -3309,7 +3309,7 @@
               <a:pPr>
                 <a:defRPr/>
               </a:pPr>
-              <a:t>2018/11/6</a:t>
+              <a:t>2018/11/7</a:t>
             </a:fld>
             <a:endParaRPr lang="zh-CN" altLang="en-US"/>
           </a:p>
@@ -3511,7 +3511,7 @@
               <a:pPr>
                 <a:defRPr/>
               </a:pPr>
-              <a:t>2018/11/6</a:t>
+              <a:t>2018/11/7</a:t>
             </a:fld>
             <a:endParaRPr lang="zh-CN" altLang="en-US"/>
           </a:p>
@@ -3703,7 +3703,7 @@
               <a:pPr>
                 <a:defRPr/>
               </a:pPr>
-              <a:t>2018/11/6</a:t>
+              <a:t>2018/11/7</a:t>
             </a:fld>
             <a:endParaRPr lang="zh-CN" altLang="en-US"/>
           </a:p>
@@ -3971,7 +3971,7 @@
               <a:pPr>
                 <a:defRPr/>
               </a:pPr>
-              <a:t>2018/11/6</a:t>
+              <a:t>2018/11/7</a:t>
             </a:fld>
             <a:endParaRPr lang="zh-CN" altLang="en-US"/>
           </a:p>
@@ -4225,7 +4225,7 @@
               <a:pPr>
                 <a:defRPr/>
               </a:pPr>
-              <a:t>2018/11/6</a:t>
+              <a:t>2018/11/7</a:t>
             </a:fld>
             <a:endParaRPr lang="zh-CN" altLang="en-US"/>
           </a:p>
@@ -4614,7 +4614,7 @@
               <a:pPr>
                 <a:defRPr/>
               </a:pPr>
-              <a:t>2018/11/6</a:t>
+              <a:t>2018/11/7</a:t>
             </a:fld>
             <a:endParaRPr lang="zh-CN" altLang="en-US"/>
           </a:p>
@@ -4754,7 +4754,7 @@
               <a:pPr>
                 <a:defRPr/>
               </a:pPr>
-              <a:t>2018/11/6</a:t>
+              <a:t>2018/11/7</a:t>
             </a:fld>
             <a:endParaRPr lang="zh-CN" altLang="en-US"/>
           </a:p>
@@ -4871,7 +4871,7 @@
               <a:pPr>
                 <a:defRPr/>
               </a:pPr>
-              <a:t>2018/11/6</a:t>
+              <a:t>2018/11/7</a:t>
             </a:fld>
             <a:endParaRPr lang="zh-CN" altLang="en-US"/>
           </a:p>
@@ -5170,7 +5170,7 @@
               <a:pPr>
                 <a:defRPr/>
               </a:pPr>
-              <a:t>2018/11/6</a:t>
+              <a:t>2018/11/7</a:t>
             </a:fld>
             <a:endParaRPr lang="zh-CN" altLang="en-US"/>
           </a:p>
@@ -5448,7 +5448,7 @@
               <a:pPr>
                 <a:defRPr/>
               </a:pPr>
-              <a:t>2018/11/6</a:t>
+              <a:t>2018/11/7</a:t>
             </a:fld>
             <a:endParaRPr lang="zh-CN" altLang="en-US"/>
           </a:p>
@@ -5711,7 +5711,7 @@
               <a:pPr>
                 <a:defRPr/>
               </a:pPr>
-              <a:t>2018/11/6</a:t>
+              <a:t>2018/11/7</a:t>
             </a:fld>
             <a:endParaRPr lang="zh-CN" altLang="en-US"/>
           </a:p>
@@ -6486,27 +6486,7 @@
                 <a:latin typeface="微软雅黑" pitchFamily="34" charset="-122"/>
                 <a:ea typeface="微软雅黑" pitchFamily="34" charset="-122"/>
               </a:rPr>
-              <a:t>：</a:t>
-            </a:r>
-            <a:r>
-              <a:rPr lang="zh-CN" altLang="en-US" sz="2000" smtClean="0">
-                <a:solidFill>
-                  <a:schemeClr val="bg1"/>
-                </a:solidFill>
-                <a:latin typeface="微软雅黑" pitchFamily="34" charset="-122"/>
-                <a:ea typeface="微软雅黑" pitchFamily="34" charset="-122"/>
-              </a:rPr>
-              <a:t>代立云</a:t>
-            </a:r>
-            <a:r>
-              <a:rPr lang="zh-CN" altLang="en-US" sz="2000" smtClean="0">
-                <a:solidFill>
-                  <a:schemeClr val="bg1"/>
-                </a:solidFill>
-                <a:latin typeface="微软雅黑" pitchFamily="34" charset="-122"/>
-                <a:ea typeface="微软雅黑" pitchFamily="34" charset="-122"/>
-              </a:rPr>
-              <a:t>   </a:t>
+              <a:t>：代立云   </a:t>
             </a:r>
             <a:endParaRPr lang="zh-CN" altLang="en-US" sz="2000" dirty="0">
               <a:solidFill>
@@ -7009,7 +6989,7 @@
           </a:ln>
           <a:extLst>
             <a:ext uri="{91240B29-F687-4f45-9708-019B960494DF}">
-              <a14:hiddenLine xmlns:a14="http://schemas.microsoft.com/office/drawing/2010/main" xmlns="" w="12700" cap="flat" cmpd="sng">
+              <a14:hiddenLine xmlns="" xmlns:a14="http://schemas.microsoft.com/office/drawing/2010/main" w="12700" cap="flat" cmpd="sng">
                 <a:solidFill>
                   <a:srgbClr val="42719B"/>
                 </a:solidFill>
@@ -12066,15 +12046,35 @@
             </a:r>
             <a:r>
               <a:rPr lang="zh-CN" altLang="en-US" dirty="0" smtClean="0"/>
-              <a:t>组件上，而是先绘制到内存中的一个</a:t>
-            </a:r>
-            <a:r>
-              <a:rPr lang="en-US" altLang="zh-CN" dirty="0" smtClean="0"/>
+              <a:t>组件上，</a:t>
+            </a:r>
+            <a:r>
+              <a:rPr lang="zh-CN" altLang="en-US" dirty="0" smtClean="0">
+                <a:solidFill>
+                  <a:srgbClr val="92D050"/>
+                </a:solidFill>
+              </a:rPr>
+              <a:t>而是先绘制到内存中的一个</a:t>
+            </a:r>
+            <a:r>
+              <a:rPr lang="en-US" altLang="zh-CN" dirty="0" smtClean="0">
+                <a:solidFill>
+                  <a:srgbClr val="92D050"/>
+                </a:solidFill>
+              </a:rPr>
               <a:t>Bitmap</a:t>
             </a:r>
             <a:r>
+              <a:rPr lang="zh-CN" altLang="en-US" dirty="0" smtClean="0">
+                <a:solidFill>
+                  <a:srgbClr val="92D050"/>
+                </a:solidFill>
+              </a:rPr>
+              <a:t>图片上</a:t>
+            </a:r>
+            <a:r>
               <a:rPr lang="zh-CN" altLang="en-US" dirty="0" smtClean="0"/>
-              <a:t>图片上，等内存中的</a:t>
+              <a:t>，等内存中的</a:t>
             </a:r>
             <a:r>
               <a:rPr lang="en-US" altLang="zh-CN" dirty="0" smtClean="0"/>
@@ -16138,6 +16138,30 @@
           </p:txBody>
         </p:sp>
       </p:grpSp>
+      <p:pic>
+        <p:nvPicPr>
+          <p:cNvPr id="30" name="图片 29"/>
+          <p:cNvPicPr>
+            <a:picLocks noChangeAspect="1"/>
+          </p:cNvPicPr>
+          <p:nvPr/>
+        </p:nvPicPr>
+        <p:blipFill>
+          <a:blip r:embed="rId2"/>
+          <a:stretch>
+            <a:fillRect/>
+          </a:stretch>
+        </p:blipFill>
+        <p:spPr>
+          <a:xfrm>
+            <a:off x="5049656" y="3443025"/>
+            <a:ext cx="6677025" cy="3038475"/>
+          </a:xfrm>
+          <a:prstGeom prst="rect">
+            <a:avLst/>
+          </a:prstGeom>
+        </p:spPr>
+      </p:pic>
       <p:sp>
         <p:nvSpPr>
           <p:cNvPr id="29" name="矩形 28"/>
@@ -16366,30 +16390,6 @@
           </a:p>
         </p:txBody>
       </p:sp>
-      <p:pic>
-        <p:nvPicPr>
-          <p:cNvPr id="30" name="图片 29"/>
-          <p:cNvPicPr>
-            <a:picLocks noChangeAspect="1"/>
-          </p:cNvPicPr>
-          <p:nvPr/>
-        </p:nvPicPr>
-        <p:blipFill>
-          <a:blip r:embed="rId2"/>
-          <a:stretch>
-            <a:fillRect/>
-          </a:stretch>
-        </p:blipFill>
-        <p:spPr>
-          <a:xfrm>
-            <a:off x="5252856" y="3573654"/>
-            <a:ext cx="6677025" cy="3038475"/>
-          </a:xfrm>
-          <a:prstGeom prst="rect">
-            <a:avLst/>
-          </a:prstGeom>
-        </p:spPr>
-      </p:pic>
     </p:spTree>
     <p:extLst>
       <p:ext uri="{BB962C8B-B14F-4D97-AF65-F5344CB8AC3E}">
@@ -16571,14 +16571,14 @@
           </a:ln>
           <a:extLst>
             <a:ext uri="{909E8E84-426E-40dd-AFC4-6F175D3DCCD1}">
-              <a14:hiddenFill xmlns:a14="http://schemas.microsoft.com/office/drawing/2010/main" xmlns="">
+              <a14:hiddenFill xmlns="" xmlns:a14="http://schemas.microsoft.com/office/drawing/2010/main">
                 <a:solidFill>
                   <a:srgbClr val="FFFFFF"/>
                 </a:solidFill>
               </a14:hiddenFill>
             </a:ext>
             <a:ext uri="{91240B29-F687-4f45-9708-019B960494DF}">
-              <a14:hiddenLine xmlns:a14="http://schemas.microsoft.com/office/drawing/2010/main" xmlns="" w="9525">
+              <a14:hiddenLine xmlns="" xmlns:a14="http://schemas.microsoft.com/office/drawing/2010/main" w="9525">
                 <a:solidFill>
                   <a:srgbClr val="000000"/>
                 </a:solidFill>
@@ -20866,14 +20866,14 @@
           </a:ln>
           <a:extLst>
             <a:ext uri="{909E8E84-426E-40dd-AFC4-6F175D3DCCD1}">
-              <a14:hiddenFill xmlns:a14="http://schemas.microsoft.com/office/drawing/2010/main" xmlns="">
+              <a14:hiddenFill xmlns="" xmlns:a14="http://schemas.microsoft.com/office/drawing/2010/main">
                 <a:solidFill>
                   <a:srgbClr val="FFFFFF"/>
                 </a:solidFill>
               </a14:hiddenFill>
             </a:ext>
             <a:ext uri="{91240B29-F687-4f45-9708-019B960494DF}">
-              <a14:hiddenLine xmlns:a14="http://schemas.microsoft.com/office/drawing/2010/main" xmlns="" w="9525">
+              <a14:hiddenLine xmlns="" xmlns:a14="http://schemas.microsoft.com/office/drawing/2010/main" w="9525">
                 <a:solidFill>
                   <a:srgbClr val="000000"/>
                 </a:solidFill>
@@ -21072,14 +21072,14 @@
           </a:ln>
           <a:extLst>
             <a:ext uri="{909E8E84-426E-40dd-AFC4-6F175D3DCCD1}">
-              <a14:hiddenFill xmlns:a14="http://schemas.microsoft.com/office/drawing/2010/main" xmlns="">
+              <a14:hiddenFill xmlns="" xmlns:a14="http://schemas.microsoft.com/office/drawing/2010/main">
                 <a:solidFill>
                   <a:srgbClr val="FFFFFF"/>
                 </a:solidFill>
               </a14:hiddenFill>
             </a:ext>
             <a:ext uri="{91240B29-F687-4f45-9708-019B960494DF}">
-              <a14:hiddenLine xmlns:a14="http://schemas.microsoft.com/office/drawing/2010/main" xmlns="" w="9525">
+              <a14:hiddenLine xmlns="" xmlns:a14="http://schemas.microsoft.com/office/drawing/2010/main" w="9525">
                 <a:solidFill>
                   <a:srgbClr val="000000"/>
                 </a:solidFill>
@@ -21354,14 +21354,14 @@
           </a:ln>
           <a:extLst>
             <a:ext uri="{909E8E84-426E-40dd-AFC4-6F175D3DCCD1}">
-              <a14:hiddenFill xmlns:a14="http://schemas.microsoft.com/office/drawing/2010/main" xmlns="">
+              <a14:hiddenFill xmlns="" xmlns:a14="http://schemas.microsoft.com/office/drawing/2010/main">
                 <a:solidFill>
                   <a:srgbClr val="FFFFFF"/>
                 </a:solidFill>
               </a14:hiddenFill>
             </a:ext>
             <a:ext uri="{91240B29-F687-4f45-9708-019B960494DF}">
-              <a14:hiddenLine xmlns:a14="http://schemas.microsoft.com/office/drawing/2010/main" xmlns="" w="9525">
+              <a14:hiddenLine xmlns="" xmlns:a14="http://schemas.microsoft.com/office/drawing/2010/main" w="9525">
                 <a:solidFill>
                   <a:srgbClr val="000000"/>
                 </a:solidFill>
@@ -21661,14 +21661,14 @@
           </a:ln>
           <a:extLst>
             <a:ext uri="{909E8E84-426E-40dd-AFC4-6F175D3DCCD1}">
-              <a14:hiddenFill xmlns:a14="http://schemas.microsoft.com/office/drawing/2010/main" xmlns="">
+              <a14:hiddenFill xmlns="" xmlns:a14="http://schemas.microsoft.com/office/drawing/2010/main">
                 <a:solidFill>
                   <a:srgbClr val="FFFFFF"/>
                 </a:solidFill>
               </a14:hiddenFill>
             </a:ext>
             <a:ext uri="{91240B29-F687-4f45-9708-019B960494DF}">
-              <a14:hiddenLine xmlns:a14="http://schemas.microsoft.com/office/drawing/2010/main" xmlns="" w="9525">
+              <a14:hiddenLine xmlns="" xmlns:a14="http://schemas.microsoft.com/office/drawing/2010/main" w="9525">
                 <a:solidFill>
                   <a:srgbClr val="000000"/>
                 </a:solidFill>
@@ -21866,14 +21866,14 @@
           </a:ln>
           <a:extLst>
             <a:ext uri="{909E8E84-426E-40dd-AFC4-6F175D3DCCD1}">
-              <a14:hiddenFill xmlns:a14="http://schemas.microsoft.com/office/drawing/2010/main" xmlns="">
+              <a14:hiddenFill xmlns="" xmlns:a14="http://schemas.microsoft.com/office/drawing/2010/main">
                 <a:solidFill>
                   <a:srgbClr val="FFFFFF"/>
                 </a:solidFill>
               </a14:hiddenFill>
             </a:ext>
             <a:ext uri="{91240B29-F687-4f45-9708-019B960494DF}">
-              <a14:hiddenLine xmlns:a14="http://schemas.microsoft.com/office/drawing/2010/main" xmlns="" w="9525">
+              <a14:hiddenLine xmlns="" xmlns:a14="http://schemas.microsoft.com/office/drawing/2010/main" w="9525">
                 <a:solidFill>
                   <a:srgbClr val="000000"/>
                 </a:solidFill>
@@ -22115,14 +22115,14 @@
           </a:ln>
           <a:extLst>
             <a:ext uri="{909E8E84-426E-40dd-AFC4-6F175D3DCCD1}">
-              <a14:hiddenFill xmlns:a14="http://schemas.microsoft.com/office/drawing/2010/main" xmlns="">
+              <a14:hiddenFill xmlns="" xmlns:a14="http://schemas.microsoft.com/office/drawing/2010/main">
                 <a:solidFill>
                   <a:srgbClr val="FFFFFF"/>
                 </a:solidFill>
               </a14:hiddenFill>
             </a:ext>
             <a:ext uri="{91240B29-F687-4f45-9708-019B960494DF}">
-              <a14:hiddenLine xmlns:a14="http://schemas.microsoft.com/office/drawing/2010/main" xmlns="" w="9525">
+              <a14:hiddenLine xmlns="" xmlns:a14="http://schemas.microsoft.com/office/drawing/2010/main" w="9525">
                 <a:solidFill>
                   <a:srgbClr val="000000"/>
                 </a:solidFill>
@@ -34895,7 +34895,7 @@
           <a:effectLst/>
           <a:extLst>
             <a:ext uri="{91240B29-F687-4f45-9708-019B960494DF}">
-              <a14:hiddenLine xmlns:a14="http://schemas.microsoft.com/office/drawing/2010/main" xmlns="" w="9525">
+              <a14:hiddenLine xmlns="" xmlns:a14="http://schemas.microsoft.com/office/drawing/2010/main" w="9525">
                 <a:solidFill>
                   <a:schemeClr val="tx1"/>
                 </a:solidFill>
@@ -34905,7 +34905,7 @@
               </a14:hiddenLine>
             </a:ext>
             <a:ext uri="{AF507438-7753-43e0-B8FC-AC1667EBCBE1}">
-              <a14:hiddenEffects xmlns:a14="http://schemas.microsoft.com/office/drawing/2010/main" xmlns="">
+              <a14:hiddenEffects xmlns="" xmlns:a14="http://schemas.microsoft.com/office/drawing/2010/main">
                 <a:effectLst>
                   <a:outerShdw dist="35921" dir="2700000" algn="ctr" rotWithShape="0">
                     <a:schemeClr val="bg2"/>
@@ -35798,7 +35798,7 @@
           <a:effectLst/>
           <a:extLst>
             <a:ext uri="{91240B29-F687-4f45-9708-019B960494DF}">
-              <a14:hiddenLine xmlns:a14="http://schemas.microsoft.com/office/drawing/2010/main" xmlns="" w="9525">
+              <a14:hiddenLine xmlns="" xmlns:a14="http://schemas.microsoft.com/office/drawing/2010/main" w="9525">
                 <a:solidFill>
                   <a:schemeClr val="tx1"/>
                 </a:solidFill>
@@ -35808,7 +35808,7 @@
               </a14:hiddenLine>
             </a:ext>
             <a:ext uri="{AF507438-7753-43e0-B8FC-AC1667EBCBE1}">
-              <a14:hiddenEffects xmlns:a14="http://schemas.microsoft.com/office/drawing/2010/main" xmlns="">
+              <a14:hiddenEffects xmlns="" xmlns:a14="http://schemas.microsoft.com/office/drawing/2010/main">
                 <a:effectLst>
                   <a:outerShdw dist="35921" dir="2700000" algn="ctr" rotWithShape="0">
                     <a:schemeClr val="bg2"/>
@@ -42806,7 +42806,7 @@
           <a:effectLst/>
           <a:extLst>
             <a:ext uri="{91240B29-F687-4f45-9708-019B960494DF}">
-              <a14:hiddenLine xmlns:a14="http://schemas.microsoft.com/office/drawing/2010/main" xmlns="" w="9525">
+              <a14:hiddenLine xmlns="" xmlns:a14="http://schemas.microsoft.com/office/drawing/2010/main" w="9525">
                 <a:solidFill>
                   <a:schemeClr val="tx1"/>
                 </a:solidFill>
@@ -42816,7 +42816,7 @@
               </a14:hiddenLine>
             </a:ext>
             <a:ext uri="{AF507438-7753-43e0-B8FC-AC1667EBCBE1}">
-              <a14:hiddenEffects xmlns:a14="http://schemas.microsoft.com/office/drawing/2010/main" xmlns="">
+              <a14:hiddenEffects xmlns="" xmlns:a14="http://schemas.microsoft.com/office/drawing/2010/main">
                 <a:effectLst>
                   <a:outerShdw dist="35921" dir="2700000" algn="ctr" rotWithShape="0">
                     <a:schemeClr val="bg2"/>
@@ -42903,7 +42903,7 @@
           <a:effectLst/>
           <a:extLst>
             <a:ext uri="{91240B29-F687-4f45-9708-019B960494DF}">
-              <a14:hiddenLine xmlns:a14="http://schemas.microsoft.com/office/drawing/2010/main" xmlns="" w="9525">
+              <a14:hiddenLine xmlns="" xmlns:a14="http://schemas.microsoft.com/office/drawing/2010/main" w="9525">
                 <a:solidFill>
                   <a:schemeClr val="tx1"/>
                 </a:solidFill>
@@ -42913,7 +42913,7 @@
               </a14:hiddenLine>
             </a:ext>
             <a:ext uri="{AF507438-7753-43e0-B8FC-AC1667EBCBE1}">
-              <a14:hiddenEffects xmlns:a14="http://schemas.microsoft.com/office/drawing/2010/main" xmlns="">
+              <a14:hiddenEffects xmlns="" xmlns:a14="http://schemas.microsoft.com/office/drawing/2010/main">
                 <a:effectLst>
                   <a:outerShdw dist="35921" dir="2700000" algn="ctr" rotWithShape="0">
                     <a:schemeClr val="bg2"/>
@@ -45410,7 +45410,7 @@
         </p:nvSpPr>
         <p:spPr>
           <a:xfrm>
-            <a:off x="-58780" y="2595014"/>
+            <a:off x="-58780" y="2609528"/>
             <a:ext cx="12250780" cy="3509572"/>
           </a:xfrm>
           <a:prstGeom prst="rect">
@@ -45467,7 +45467,7 @@
         <p:spPr>
           <a:xfrm>
             <a:off x="403501" y="2918639"/>
-            <a:ext cx="11326218" cy="2862322"/>
+            <a:ext cx="11326218" cy="2954655"/>
           </a:xfrm>
           <a:prstGeom prst="rect">
             <a:avLst/>
@@ -45947,7 +45947,7 @@
             <a:r>
               <a:rPr lang="en-US" altLang="zh-CN" dirty="0" smtClean="0">
                 <a:solidFill>
-                  <a:schemeClr val="bg1"/>
+                  <a:srgbClr val="FF0000"/>
                 </a:solidFill>
                 <a:latin typeface="+mn-ea"/>
                 <a:ea typeface="+mn-ea"/>
@@ -45957,12 +45957,22 @@
             <a:r>
               <a:rPr lang="zh-CN" altLang="en-US" dirty="0" smtClean="0">
                 <a:solidFill>
-                  <a:schemeClr val="bg1"/>
+                  <a:srgbClr val="FF0000"/>
                 </a:solidFill>
                 <a:latin typeface="+mn-ea"/>
                 <a:ea typeface="+mn-ea"/>
               </a:rPr>
-              <a:t>从指定资源中解析、</a:t>
+              <a:t>从</a:t>
+            </a:r>
+            <a:r>
+              <a:rPr lang="zh-CN" altLang="en-US" dirty="0" smtClean="0">
+                <a:solidFill>
+                  <a:schemeClr val="bg1"/>
+                </a:solidFill>
+                <a:latin typeface="+mn-ea"/>
+                <a:ea typeface="+mn-ea"/>
+              </a:rPr>
+              <a:t>指定资源中解析、</a:t>
             </a:r>
             <a:r>
               <a:rPr lang="zh-CN" altLang="en-US" dirty="0">
@@ -45989,23 +45999,30 @@
                 </a:solidFill>
                 <a:latin typeface="+mn-ea"/>
               </a:rPr>
-              <a:t>对象。</a:t>
-            </a:r>
-            <a:endParaRPr lang="en-US" altLang="zh-CN" dirty="0">
+              <a:t>对象</a:t>
+            </a:r>
+            <a:r>
+              <a:rPr lang="zh-CN" altLang="en-US" dirty="0" smtClean="0">
+                <a:solidFill>
+                  <a:schemeClr val="bg1"/>
+                </a:solidFill>
+                <a:latin typeface="+mn-ea"/>
+              </a:rPr>
+              <a:t>。</a:t>
+            </a:r>
+            <a:r>
+              <a:rPr lang="en-US" altLang="zh-CN" sz="2400" dirty="0" smtClean="0">
+                <a:solidFill>
+                  <a:srgbClr val="FF0000"/>
+                </a:solidFill>
+                <a:latin typeface="+mn-ea"/>
+                <a:ea typeface="+mn-ea"/>
+              </a:rPr>
+              <a:t>assets</a:t>
+            </a:r>
+            <a:endParaRPr lang="en-US" altLang="zh-CN" sz="2400" dirty="0" smtClean="0">
               <a:solidFill>
-                <a:schemeClr val="bg1"/>
-              </a:solidFill>
-              <a:latin typeface="+mn-ea"/>
-            </a:endParaRPr>
-          </a:p>
-          <a:p>
-            <a:pPr marL="285750" indent="-285750">
-              <a:buFont typeface="Wingdings" panose="05000000000000000000" pitchFamily="2" charset="2"/>
-              <a:buChar char="Ø"/>
-            </a:pPr>
-            <a:endParaRPr lang="en-US" altLang="zh-CN" dirty="0" smtClean="0">
-              <a:solidFill>
-                <a:schemeClr val="bg1"/>
+                <a:srgbClr val="FF0000"/>
               </a:solidFill>
               <a:latin typeface="+mn-ea"/>
               <a:ea typeface="+mn-ea"/>
